--- a/Machine Learning/2. Bayesian Decision Theory.pptx
+++ b/Machine Learning/2. Bayesian Decision Theory.pptx
@@ -5,7 +5,7 @@
     <p:sldMasterId id="2147483648" r:id="rId1"/>
   </p:sldMasterIdLst>
   <p:notesMasterIdLst>
-    <p:notesMasterId r:id="rId28"/>
+    <p:notesMasterId r:id="rId29"/>
   </p:notesMasterIdLst>
   <p:sldIdLst>
     <p:sldId id="256" r:id="rId2"/>
@@ -31,9 +31,10 @@
     <p:sldId id="316" r:id="rId22"/>
     <p:sldId id="317" r:id="rId23"/>
     <p:sldId id="318" r:id="rId24"/>
-    <p:sldId id="313" r:id="rId25"/>
-    <p:sldId id="311" r:id="rId26"/>
-    <p:sldId id="312" r:id="rId27"/>
+    <p:sldId id="319" r:id="rId25"/>
+    <p:sldId id="313" r:id="rId26"/>
+    <p:sldId id="311" r:id="rId27"/>
+    <p:sldId id="312" r:id="rId28"/>
   </p:sldIdLst>
   <p:sldSz cx="13444538" cy="7562850"/>
   <p:notesSz cx="10693400" cy="7562850"/>
@@ -252,7 +253,7 @@
               <a:rPr lang="ko-KR" altLang="en-US" smtClean="0">
                 <a:uFillTx/>
               </a:rPr>
-              <a:t>2018-02-28</a:t>
+              <a:t>2018-03-06</a:t>
             </a:fld>
             <a:endParaRPr lang="ko-KR" altLang="en-US">
               <a:uFillTx/>
@@ -744,7 +745,7 @@
               <a:rPr lang="en-US">
                 <a:uFillTx/>
               </a:rPr>
-              <a:t>2/28/2018</a:t>
+              <a:t>3/6/2018</a:t>
             </a:fld>
             <a:endParaRPr lang="en-US">
               <a:uFillTx/>
@@ -1053,7 +1054,7 @@
               <a:rPr lang="en-US">
                 <a:uFillTx/>
               </a:rPr>
-              <a:t>2/28/2018</a:t>
+              <a:t>3/6/2018</a:t>
             </a:fld>
             <a:endParaRPr lang="en-US">
               <a:uFillTx/>
@@ -1335,7 +1336,7 @@
               <a:rPr lang="en-US">
                 <a:uFillTx/>
               </a:rPr>
-              <a:t>2/28/2018</a:t>
+              <a:t>3/6/2018</a:t>
             </a:fld>
             <a:endParaRPr lang="en-US">
               <a:uFillTx/>
@@ -1543,7 +1544,7 @@
               <a:rPr lang="en-US">
                 <a:uFillTx/>
               </a:rPr>
-              <a:t>2/28/2018</a:t>
+              <a:t>3/6/2018</a:t>
             </a:fld>
             <a:endParaRPr lang="en-US">
               <a:uFillTx/>
@@ -1714,7 +1715,7 @@
               <a:rPr lang="en-US">
                 <a:uFillTx/>
               </a:rPr>
-              <a:t>2/28/2018</a:t>
+              <a:t>3/6/2018</a:t>
             </a:fld>
             <a:endParaRPr lang="en-US">
               <a:uFillTx/>
@@ -1920,7 +1921,7 @@
               <a:rPr kumimoji="1" lang="ko-KR" altLang="en-US" smtClean="0">
                 <a:uFillTx/>
               </a:rPr>
-              <a:t>2018-02-28</a:t>
+              <a:t>2018-03-06</a:t>
             </a:fld>
             <a:endParaRPr kumimoji="1" lang="ko-KR" altLang="en-US">
               <a:uFillTx/>
@@ -2422,7 +2423,7 @@
               <a:rPr lang="en-US">
                 <a:uFillTx/>
               </a:rPr>
-              <a:t>2/28/2018</a:t>
+              <a:t>3/6/2018</a:t>
             </a:fld>
             <a:endParaRPr lang="en-US">
               <a:uFillTx/>
@@ -8701,6 +8702,43 @@
           </a:prstGeom>
         </p:spPr>
       </p:pic>
+      <p:sp>
+        <p:nvSpPr>
+          <p:cNvPr id="3" name="직사각형 2">
+            <a:extLst>
+              <a:ext uri="{FF2B5EF4-FFF2-40B4-BE49-F238E27FC236}">
+                <a16:creationId xmlns:a16="http://schemas.microsoft.com/office/drawing/2014/main" id="{6C3A2F9C-3D2D-4BBF-B9D5-1E416508C661}"/>
+              </a:ext>
+            </a:extLst>
+          </p:cNvPr>
+          <p:cNvSpPr/>
+          <p:nvPr/>
+        </p:nvSpPr>
+        <p:spPr>
+          <a:xfrm>
+            <a:off x="409707" y="6532880"/>
+            <a:ext cx="5591724" cy="369332"/>
+          </a:xfrm>
+          <a:prstGeom prst="rect">
+            <a:avLst/>
+          </a:prstGeom>
+        </p:spPr>
+        <p:txBody>
+          <a:bodyPr wrap="none">
+            <a:spAutoFit/>
+          </a:bodyPr>
+          <a:lstStyle/>
+          <a:p>
+            <a:r>
+              <a:rPr lang="ko-KR" altLang="en-US" dirty="0">
+                <a:hlinkClick r:id="rId3"/>
+              </a:rPr>
+              <a:t>http://163.180.13.121:8888/notebooks/SJ/Untitled.ipynb</a:t>
+            </a:r>
+            <a:endParaRPr lang="ko-KR" altLang="en-US" dirty="0"/>
+          </a:p>
+        </p:txBody>
+      </p:sp>
     </p:spTree>
     <p:extLst>
       <p:ext uri="{BB962C8B-B14F-4D97-AF65-F5344CB8AC3E}">
@@ -8798,16 +8836,27 @@
           </p:cNvPicPr>
           <p:nvPr/>
         </p:nvPicPr>
-        <p:blipFill>
-          <a:blip r:embed="rId2"/>
-          <a:stretch>
-            <a:fillRect/>
-          </a:stretch>
+        <p:blipFill rotWithShape="1">
+          <a:blip r:embed="rId2">
+            <a:extLst>
+              <a:ext uri="{BEBA8EAE-BF5A-486C-A8C5-ECC9F3942E4B}">
+                <a14:imgProps xmlns:a14="http://schemas.microsoft.com/office/drawing/2010/main">
+                  <a14:imgLayer r:embed="rId3">
+                    <a14:imgEffect>
+                      <a14:sharpenSoften amount="50000"/>
+                    </a14:imgEffect>
+                  </a14:imgLayer>
+                </a14:imgProps>
+              </a:ext>
+            </a:extLst>
+          </a:blip>
+          <a:srcRect b="3352"/>
+          <a:stretch/>
         </p:blipFill>
         <p:spPr>
           <a:xfrm>
-            <a:off x="931069" y="1266825"/>
-            <a:ext cx="7800975" cy="5524500"/>
+            <a:off x="769025" y="1190625"/>
+            <a:ext cx="8391413" cy="5743429"/>
           </a:xfrm>
           <a:prstGeom prst="rect">
             <a:avLst/>
@@ -9999,6 +10048,94 @@
           </a:prstGeom>
         </p:spPr>
       </p:pic>
+      <p:sp>
+        <p:nvSpPr>
+          <p:cNvPr id="3" name="TextBox 2">
+            <a:extLst>
+              <a:ext uri="{FF2B5EF4-FFF2-40B4-BE49-F238E27FC236}">
+                <a16:creationId xmlns:a16="http://schemas.microsoft.com/office/drawing/2014/main" id="{22FAC139-49BE-498B-91E8-03B048D1E526}"/>
+              </a:ext>
+            </a:extLst>
+          </p:cNvPr>
+          <p:cNvSpPr txBox="1"/>
+          <p:nvPr/>
+        </p:nvSpPr>
+        <p:spPr>
+          <a:xfrm>
+            <a:off x="2150269" y="4400639"/>
+            <a:ext cx="6934200" cy="1200329"/>
+          </a:xfrm>
+          <a:prstGeom prst="rect">
+            <a:avLst/>
+          </a:prstGeom>
+        </p:spPr>
+        <p:txBody>
+          <a:bodyPr wrap="square" rtlCol="0">
+            <a:spAutoFit/>
+          </a:bodyPr>
+          <a:lstStyle/>
+          <a:p>
+            <a:r>
+              <a:rPr lang="en-US" altLang="ko-KR" dirty="0">
+                <a:latin typeface="AppleSDGothicNeoUL00" panose="02000503000000000000" pitchFamily="2" charset="-127"/>
+                <a:ea typeface="AppleSDGothicNeoUL00" panose="02000503000000000000" pitchFamily="2" charset="-127"/>
+              </a:rPr>
+              <a:t>Ex)</a:t>
+            </a:r>
+          </a:p>
+          <a:p>
+            <a:pPr lvl="1"/>
+            <a:r>
+              <a:rPr lang="en-US" altLang="ko-KR" dirty="0">
+                <a:latin typeface="AppleSDGothicNeoUL00" panose="02000503000000000000" pitchFamily="2" charset="-127"/>
+                <a:ea typeface="AppleSDGothicNeoUL00" panose="02000503000000000000" pitchFamily="2" charset="-127"/>
+              </a:rPr>
+              <a:t>X = (x1, x2)</a:t>
+            </a:r>
+            <a:r>
+              <a:rPr lang="en-US" altLang="ko-KR" baseline="30000" dirty="0">
+                <a:latin typeface="AppleSDGothicNeoUL00" panose="02000503000000000000" pitchFamily="2" charset="-127"/>
+                <a:ea typeface="AppleSDGothicNeoUL00" panose="02000503000000000000" pitchFamily="2" charset="-127"/>
+              </a:rPr>
+              <a:t>T</a:t>
+            </a:r>
+          </a:p>
+          <a:p>
+            <a:pPr lvl="1"/>
+            <a:r>
+              <a:rPr lang="en-US" altLang="ko-KR" dirty="0">
+                <a:latin typeface="AppleSDGothicNeoUL00" panose="02000503000000000000" pitchFamily="2" charset="-127"/>
+                <a:ea typeface="AppleSDGothicNeoUL00" panose="02000503000000000000" pitchFamily="2" charset="-127"/>
+              </a:rPr>
+              <a:t>Mean = (3,1)</a:t>
+            </a:r>
+            <a:r>
+              <a:rPr lang="en-US" altLang="ko-KR" baseline="30000" dirty="0">
+                <a:latin typeface="AppleSDGothicNeoUL00" panose="02000503000000000000" pitchFamily="2" charset="-127"/>
+                <a:ea typeface="AppleSDGothicNeoUL00" panose="02000503000000000000" pitchFamily="2" charset="-127"/>
+              </a:rPr>
+              <a:t>T</a:t>
+            </a:r>
+          </a:p>
+          <a:p>
+            <a:pPr lvl="1"/>
+            <a:r>
+              <a:rPr lang="en-US" altLang="ko-KR" dirty="0" err="1">
+                <a:latin typeface="AppleSDGothicNeoUL00" panose="02000503000000000000" pitchFamily="2" charset="-127"/>
+                <a:ea typeface="AppleSDGothicNeoUL00" panose="02000503000000000000" pitchFamily="2" charset="-127"/>
+              </a:rPr>
+              <a:t>Cov</a:t>
+            </a:r>
+            <a:r>
+              <a:rPr lang="en-US" altLang="ko-KR" dirty="0">
+                <a:latin typeface="AppleSDGothicNeoUL00" panose="02000503000000000000" pitchFamily="2" charset="-127"/>
+                <a:ea typeface="AppleSDGothicNeoUL00" panose="02000503000000000000" pitchFamily="2" charset="-127"/>
+              </a:rPr>
+              <a:t> = (2 0 ; 0 2)</a:t>
+            </a:r>
+          </a:p>
+        </p:txBody>
+      </p:sp>
     </p:spTree>
     <p:extLst>
       <p:ext uri="{BB962C8B-B14F-4D97-AF65-F5344CB8AC3E}">
@@ -10127,15 +10264,27 @@
           <p:nvPr/>
         </p:nvPicPr>
         <p:blipFill>
-          <a:blip r:embed="rId3"/>
+          <a:blip r:embed="rId3">
+            <a:extLst>
+              <a:ext uri="{BEBA8EAE-BF5A-486C-A8C5-ECC9F3942E4B}">
+                <a14:imgProps xmlns:a14="http://schemas.microsoft.com/office/drawing/2010/main">
+                  <a14:imgLayer r:embed="rId4">
+                    <a14:imgEffect>
+                      <a14:sharpenSoften amount="25000"/>
+                    </a14:imgEffect>
+                  </a14:imgLayer>
+                </a14:imgProps>
+              </a:ext>
+            </a:extLst>
+          </a:blip>
           <a:stretch>
             <a:fillRect/>
           </a:stretch>
         </p:blipFill>
         <p:spPr>
           <a:xfrm>
-            <a:off x="7712869" y="3476625"/>
-            <a:ext cx="4333875" cy="3000375"/>
+            <a:off x="7103269" y="2638425"/>
+            <a:ext cx="5544608" cy="3838575"/>
           </a:xfrm>
           <a:prstGeom prst="rect">
             <a:avLst/>
@@ -10225,70 +10374,207 @@
           </a:p>
         </p:txBody>
       </p:sp>
-      <p:pic>
-        <p:nvPicPr>
-          <p:cNvPr id="7" name="그림 6">
+      <p:sp>
+        <p:nvSpPr>
+          <p:cNvPr id="3" name="TextBox 2">
             <a:extLst>
               <a:ext uri="{FF2B5EF4-FFF2-40B4-BE49-F238E27FC236}">
-                <a16:creationId xmlns:a16="http://schemas.microsoft.com/office/drawing/2014/main" id="{E761D1FD-415B-4B19-A92A-9338096C2FD1}"/>
+                <a16:creationId xmlns:a16="http://schemas.microsoft.com/office/drawing/2014/main" id="{22FAC139-49BE-498B-91E8-03B048D1E526}"/>
               </a:ext>
             </a:extLst>
           </p:cNvPr>
-          <p:cNvPicPr>
-            <a:picLocks noChangeAspect="1"/>
-          </p:cNvPicPr>
-          <p:nvPr/>
-        </p:nvPicPr>
-        <p:blipFill>
-          <a:blip r:embed="rId2"/>
-          <a:stretch>
-            <a:fillRect/>
-          </a:stretch>
-        </p:blipFill>
-        <p:spPr>
-          <a:xfrm>
-            <a:off x="1464469" y="4543425"/>
-            <a:ext cx="7086600" cy="2247900"/>
+          <p:cNvSpPr txBox="1"/>
+          <p:nvPr/>
+        </p:nvSpPr>
+        <p:spPr>
+          <a:xfrm>
+            <a:off x="2074069" y="1495425"/>
+            <a:ext cx="6934200" cy="1292662"/>
           </a:xfrm>
           <a:prstGeom prst="rect">
             <a:avLst/>
           </a:prstGeom>
         </p:spPr>
-      </p:pic>
-      <p:pic>
-        <p:nvPicPr>
-          <p:cNvPr id="8" name="그림 7">
-            <a:extLst>
-              <a:ext uri="{FF2B5EF4-FFF2-40B4-BE49-F238E27FC236}">
-                <a16:creationId xmlns:a16="http://schemas.microsoft.com/office/drawing/2014/main" id="{C7760565-AFF1-43A8-9164-1396A23F731E}"/>
-              </a:ext>
-            </a:extLst>
-          </p:cNvPr>
-          <p:cNvPicPr>
-            <a:picLocks noChangeAspect="1"/>
-          </p:cNvPicPr>
-          <p:nvPr/>
-        </p:nvPicPr>
-        <p:blipFill>
-          <a:blip r:embed="rId3"/>
-          <a:stretch>
-            <a:fillRect/>
-          </a:stretch>
-        </p:blipFill>
-        <p:spPr>
-          <a:xfrm>
-            <a:off x="1616869" y="1419225"/>
-            <a:ext cx="4210050" cy="2286000"/>
-          </a:xfrm>
-          <a:prstGeom prst="rect">
-            <a:avLst/>
-          </a:prstGeom>
-        </p:spPr>
-      </p:pic>
+        <p:txBody>
+          <a:bodyPr wrap="square" rtlCol="0">
+            <a:spAutoFit/>
+          </a:bodyPr>
+          <a:lstStyle/>
+          <a:p>
+            <a:r>
+              <a:rPr lang="en-US" altLang="ko-KR" dirty="0">
+                <a:latin typeface="AppleSDGothicNeoUL00" panose="02000503000000000000" pitchFamily="2" charset="-127"/>
+                <a:ea typeface="AppleSDGothicNeoUL00" panose="02000503000000000000" pitchFamily="2" charset="-127"/>
+              </a:rPr>
+              <a:t>Ex)</a:t>
+            </a:r>
+          </a:p>
+          <a:p>
+            <a:pPr lvl="1"/>
+            <a:r>
+              <a:rPr lang="en-US" altLang="ko-KR" dirty="0">
+                <a:latin typeface="AppleSDGothicNeoUL00" panose="02000503000000000000" pitchFamily="2" charset="-127"/>
+                <a:ea typeface="AppleSDGothicNeoUL00" panose="02000503000000000000" pitchFamily="2" charset="-127"/>
+              </a:rPr>
+              <a:t>w</a:t>
+            </a:r>
+            <a:r>
+              <a:rPr lang="en-US" altLang="ko-KR" baseline="-25000" dirty="0">
+                <a:latin typeface="AppleSDGothicNeoUL00" panose="02000503000000000000" pitchFamily="2" charset="-127"/>
+                <a:ea typeface="AppleSDGothicNeoUL00" panose="02000503000000000000" pitchFamily="2" charset="-127"/>
+              </a:rPr>
+              <a:t>1</a:t>
+            </a:r>
+            <a:r>
+              <a:rPr lang="en-US" altLang="ko-KR" dirty="0">
+                <a:latin typeface="AppleSDGothicNeoUL00" panose="02000503000000000000" pitchFamily="2" charset="-127"/>
+                <a:ea typeface="AppleSDGothicNeoUL00" panose="02000503000000000000" pitchFamily="2" charset="-127"/>
+              </a:rPr>
+              <a:t> = (1, 2)</a:t>
+            </a:r>
+            <a:r>
+              <a:rPr lang="en-US" altLang="ko-KR" baseline="30000" dirty="0">
+                <a:latin typeface="AppleSDGothicNeoUL00" panose="02000503000000000000" pitchFamily="2" charset="-127"/>
+                <a:ea typeface="AppleSDGothicNeoUL00" panose="02000503000000000000" pitchFamily="2" charset="-127"/>
+              </a:rPr>
+              <a:t>T</a:t>
+            </a:r>
+            <a:r>
+              <a:rPr lang="en-US" altLang="ko-KR" dirty="0">
+                <a:latin typeface="AppleSDGothicNeoUL00" panose="02000503000000000000" pitchFamily="2" charset="-127"/>
+                <a:ea typeface="AppleSDGothicNeoUL00" panose="02000503000000000000" pitchFamily="2" charset="-127"/>
+              </a:rPr>
+              <a:t>, (3, 1)</a:t>
+            </a:r>
+            <a:r>
+              <a:rPr lang="en-US" altLang="ko-KR" baseline="30000" dirty="0">
+                <a:latin typeface="AppleSDGothicNeoUL00" panose="02000503000000000000" pitchFamily="2" charset="-127"/>
+                <a:ea typeface="AppleSDGothicNeoUL00" panose="02000503000000000000" pitchFamily="2" charset="-127"/>
+              </a:rPr>
+              <a:t>T</a:t>
+            </a:r>
+            <a:r>
+              <a:rPr lang="en-US" altLang="ko-KR" dirty="0">
+                <a:latin typeface="AppleSDGothicNeoUL00" panose="02000503000000000000" pitchFamily="2" charset="-127"/>
+                <a:ea typeface="AppleSDGothicNeoUL00" panose="02000503000000000000" pitchFamily="2" charset="-127"/>
+              </a:rPr>
+              <a:t>, (5, 2)</a:t>
+            </a:r>
+            <a:r>
+              <a:rPr lang="en-US" altLang="ko-KR" baseline="30000" dirty="0">
+                <a:latin typeface="AppleSDGothicNeoUL00" panose="02000503000000000000" pitchFamily="2" charset="-127"/>
+                <a:ea typeface="AppleSDGothicNeoUL00" panose="02000503000000000000" pitchFamily="2" charset="-127"/>
+              </a:rPr>
+              <a:t>T</a:t>
+            </a:r>
+            <a:r>
+              <a:rPr lang="en-US" altLang="ko-KR" dirty="0">
+                <a:latin typeface="AppleSDGothicNeoUL00" panose="02000503000000000000" pitchFamily="2" charset="-127"/>
+                <a:ea typeface="AppleSDGothicNeoUL00" panose="02000503000000000000" pitchFamily="2" charset="-127"/>
+              </a:rPr>
+              <a:t>, (3, 3)</a:t>
+            </a:r>
+            <a:r>
+              <a:rPr lang="en-US" altLang="ko-KR" baseline="30000" dirty="0">
+                <a:latin typeface="AppleSDGothicNeoUL00" panose="02000503000000000000" pitchFamily="2" charset="-127"/>
+                <a:ea typeface="AppleSDGothicNeoUL00" panose="02000503000000000000" pitchFamily="2" charset="-127"/>
+              </a:rPr>
+              <a:t>T</a:t>
+            </a:r>
+          </a:p>
+          <a:p>
+            <a:pPr lvl="1"/>
+            <a:endParaRPr lang="en-US" altLang="ko-KR" baseline="30000" dirty="0">
+              <a:latin typeface="AppleSDGothicNeoUL00" panose="02000503000000000000" pitchFamily="2" charset="-127"/>
+              <a:ea typeface="AppleSDGothicNeoUL00" panose="02000503000000000000" pitchFamily="2" charset="-127"/>
+            </a:endParaRPr>
+          </a:p>
+          <a:p>
+            <a:pPr lvl="1"/>
+            <a:r>
+              <a:rPr lang="en-US" altLang="ko-KR" dirty="0">
+                <a:latin typeface="AppleSDGothicNeoUL00" panose="02000503000000000000" pitchFamily="2" charset="-127"/>
+                <a:ea typeface="AppleSDGothicNeoUL00" panose="02000503000000000000" pitchFamily="2" charset="-127"/>
+              </a:rPr>
+              <a:t>w</a:t>
+            </a:r>
+            <a:r>
+              <a:rPr lang="en-US" altLang="ko-KR" baseline="-25000" dirty="0">
+                <a:latin typeface="AppleSDGothicNeoUL00" panose="02000503000000000000" pitchFamily="2" charset="-127"/>
+                <a:ea typeface="AppleSDGothicNeoUL00" panose="02000503000000000000" pitchFamily="2" charset="-127"/>
+              </a:rPr>
+              <a:t>2</a:t>
+            </a:r>
+            <a:r>
+              <a:rPr lang="en-US" altLang="ko-KR" dirty="0">
+                <a:latin typeface="AppleSDGothicNeoUL00" panose="02000503000000000000" pitchFamily="2" charset="-127"/>
+                <a:ea typeface="AppleSDGothicNeoUL00" panose="02000503000000000000" pitchFamily="2" charset="-127"/>
+              </a:rPr>
+              <a:t> = (6, 6)</a:t>
+            </a:r>
+            <a:r>
+              <a:rPr lang="en-US" altLang="ko-KR" baseline="30000" dirty="0">
+                <a:latin typeface="AppleSDGothicNeoUL00" panose="02000503000000000000" pitchFamily="2" charset="-127"/>
+                <a:ea typeface="AppleSDGothicNeoUL00" panose="02000503000000000000" pitchFamily="2" charset="-127"/>
+              </a:rPr>
+              <a:t>T</a:t>
+            </a:r>
+            <a:r>
+              <a:rPr lang="en-US" altLang="ko-KR" dirty="0">
+                <a:latin typeface="AppleSDGothicNeoUL00" panose="02000503000000000000" pitchFamily="2" charset="-127"/>
+                <a:ea typeface="AppleSDGothicNeoUL00" panose="02000503000000000000" pitchFamily="2" charset="-127"/>
+              </a:rPr>
+              <a:t>, (8, 5)</a:t>
+            </a:r>
+            <a:r>
+              <a:rPr lang="en-US" altLang="ko-KR" baseline="30000" dirty="0">
+                <a:latin typeface="AppleSDGothicNeoUL00" panose="02000503000000000000" pitchFamily="2" charset="-127"/>
+                <a:ea typeface="AppleSDGothicNeoUL00" panose="02000503000000000000" pitchFamily="2" charset="-127"/>
+              </a:rPr>
+              <a:t>T</a:t>
+            </a:r>
+            <a:r>
+              <a:rPr lang="en-US" altLang="ko-KR" dirty="0">
+                <a:latin typeface="AppleSDGothicNeoUL00" panose="02000503000000000000" pitchFamily="2" charset="-127"/>
+                <a:ea typeface="AppleSDGothicNeoUL00" panose="02000503000000000000" pitchFamily="2" charset="-127"/>
+              </a:rPr>
+              <a:t>, (10, 6)</a:t>
+            </a:r>
+            <a:r>
+              <a:rPr lang="en-US" altLang="ko-KR" baseline="30000" dirty="0">
+                <a:latin typeface="AppleSDGothicNeoUL00" panose="02000503000000000000" pitchFamily="2" charset="-127"/>
+                <a:ea typeface="AppleSDGothicNeoUL00" panose="02000503000000000000" pitchFamily="2" charset="-127"/>
+              </a:rPr>
+              <a:t>T</a:t>
+            </a:r>
+            <a:r>
+              <a:rPr lang="en-US" altLang="ko-KR" dirty="0">
+                <a:latin typeface="AppleSDGothicNeoUL00" panose="02000503000000000000" pitchFamily="2" charset="-127"/>
+                <a:ea typeface="AppleSDGothicNeoUL00" panose="02000503000000000000" pitchFamily="2" charset="-127"/>
+              </a:rPr>
+              <a:t>, (8, 7)</a:t>
+            </a:r>
+            <a:r>
+              <a:rPr lang="en-US" altLang="ko-KR" baseline="30000" dirty="0">
+                <a:latin typeface="AppleSDGothicNeoUL00" panose="02000503000000000000" pitchFamily="2" charset="-127"/>
+                <a:ea typeface="AppleSDGothicNeoUL00" panose="02000503000000000000" pitchFamily="2" charset="-127"/>
+              </a:rPr>
+              <a:t>T</a:t>
+            </a:r>
+          </a:p>
+          <a:p>
+            <a:pPr lvl="1"/>
+            <a:endParaRPr lang="en-US" altLang="ko-KR" baseline="30000" dirty="0">
+              <a:latin typeface="AppleSDGothicNeoUL00" panose="02000503000000000000" pitchFamily="2" charset="-127"/>
+              <a:ea typeface="AppleSDGothicNeoUL00" panose="02000503000000000000" pitchFamily="2" charset="-127"/>
+            </a:endParaRPr>
+          </a:p>
+        </p:txBody>
+      </p:sp>
     </p:spTree>
     <p:extLst>
       <p:ext uri="{BB962C8B-B14F-4D97-AF65-F5344CB8AC3E}">
-        <p14:creationId xmlns:p14="http://schemas.microsoft.com/office/powerpoint/2010/main" val="1741696775"/>
+        <p14:creationId xmlns:p14="http://schemas.microsoft.com/office/powerpoint/2010/main" val="3777218354"/>
       </p:ext>
     </p:extLst>
   </p:cSld>
@@ -10370,7 +10656,13 @@
       </p:sp>
       <p:pic>
         <p:nvPicPr>
-          <p:cNvPr id="3" name="그림 2"/>
+          <p:cNvPr id="7" name="그림 6">
+            <a:extLst>
+              <a:ext uri="{FF2B5EF4-FFF2-40B4-BE49-F238E27FC236}">
+                <a16:creationId xmlns:a16="http://schemas.microsoft.com/office/drawing/2014/main" id="{E761D1FD-415B-4B19-A92A-9338096C2FD1}"/>
+              </a:ext>
+            </a:extLst>
+          </p:cNvPr>
           <p:cNvPicPr>
             <a:picLocks noChangeAspect="1"/>
           </p:cNvPicPr>
@@ -10384,18 +10676,245 @@
         </p:blipFill>
         <p:spPr>
           <a:xfrm>
-            <a:off x="4131469" y="2028825"/>
-            <a:ext cx="4876800" cy="4299284"/>
+            <a:off x="1464469" y="4543425"/>
+            <a:ext cx="7086600" cy="2247900"/>
           </a:xfrm>
           <a:prstGeom prst="rect">
             <a:avLst/>
           </a:prstGeom>
         </p:spPr>
       </p:pic>
+      <p:pic>
+        <p:nvPicPr>
+          <p:cNvPr id="8" name="그림 7">
+            <a:extLst>
+              <a:ext uri="{FF2B5EF4-FFF2-40B4-BE49-F238E27FC236}">
+                <a16:creationId xmlns:a16="http://schemas.microsoft.com/office/drawing/2014/main" id="{C7760565-AFF1-43A8-9164-1396A23F731E}"/>
+              </a:ext>
+            </a:extLst>
+          </p:cNvPr>
+          <p:cNvPicPr>
+            <a:picLocks noChangeAspect="1"/>
+          </p:cNvPicPr>
+          <p:nvPr/>
+        </p:nvPicPr>
+        <p:blipFill>
+          <a:blip r:embed="rId3"/>
+          <a:stretch>
+            <a:fillRect/>
+          </a:stretch>
+        </p:blipFill>
+        <p:spPr>
+          <a:xfrm>
+            <a:off x="1616869" y="1419225"/>
+            <a:ext cx="4210050" cy="2286000"/>
+          </a:xfrm>
+          <a:prstGeom prst="rect">
+            <a:avLst/>
+          </a:prstGeom>
+        </p:spPr>
+      </p:pic>
+      <p:sp>
+        <p:nvSpPr>
+          <p:cNvPr id="5" name="TextBox 4">
+            <a:extLst>
+              <a:ext uri="{FF2B5EF4-FFF2-40B4-BE49-F238E27FC236}">
+                <a16:creationId xmlns:a16="http://schemas.microsoft.com/office/drawing/2014/main" id="{A83D988E-C520-4A3F-8F73-5C2CA9A67FA7}"/>
+              </a:ext>
+            </a:extLst>
+          </p:cNvPr>
+          <p:cNvSpPr txBox="1"/>
+          <p:nvPr/>
+        </p:nvSpPr>
+        <p:spPr>
+          <a:xfrm>
+            <a:off x="6798469" y="1571625"/>
+            <a:ext cx="4210050" cy="1292662"/>
+          </a:xfrm>
+          <a:prstGeom prst="rect">
+            <a:avLst/>
+          </a:prstGeom>
+        </p:spPr>
+        <p:txBody>
+          <a:bodyPr wrap="square" rtlCol="0">
+            <a:spAutoFit/>
+          </a:bodyPr>
+          <a:lstStyle/>
+          <a:p>
+            <a:r>
+              <a:rPr lang="en-US" altLang="ko-KR" dirty="0">
+                <a:latin typeface="AppleSDGothicNeoUL00" panose="02000503000000000000" pitchFamily="2" charset="-127"/>
+                <a:ea typeface="AppleSDGothicNeoUL00" panose="02000503000000000000" pitchFamily="2" charset="-127"/>
+              </a:rPr>
+              <a:t>Ex)</a:t>
+            </a:r>
+          </a:p>
+          <a:p>
+            <a:pPr lvl="1"/>
+            <a:r>
+              <a:rPr lang="en-US" altLang="ko-KR" dirty="0">
+                <a:latin typeface="AppleSDGothicNeoUL00" panose="02000503000000000000" pitchFamily="2" charset="-127"/>
+                <a:ea typeface="AppleSDGothicNeoUL00" panose="02000503000000000000" pitchFamily="2" charset="-127"/>
+              </a:rPr>
+              <a:t>w</a:t>
+            </a:r>
+            <a:r>
+              <a:rPr lang="en-US" altLang="ko-KR" baseline="-25000" dirty="0">
+                <a:latin typeface="AppleSDGothicNeoUL00" panose="02000503000000000000" pitchFamily="2" charset="-127"/>
+                <a:ea typeface="AppleSDGothicNeoUL00" panose="02000503000000000000" pitchFamily="2" charset="-127"/>
+              </a:rPr>
+              <a:t>1</a:t>
+            </a:r>
+            <a:r>
+              <a:rPr lang="en-US" altLang="ko-KR" dirty="0">
+                <a:latin typeface="AppleSDGothicNeoUL00" panose="02000503000000000000" pitchFamily="2" charset="-127"/>
+                <a:ea typeface="AppleSDGothicNeoUL00" panose="02000503000000000000" pitchFamily="2" charset="-127"/>
+              </a:rPr>
+              <a:t> = (1, 2)</a:t>
+            </a:r>
+            <a:r>
+              <a:rPr lang="en-US" altLang="ko-KR" baseline="30000" dirty="0">
+                <a:latin typeface="AppleSDGothicNeoUL00" panose="02000503000000000000" pitchFamily="2" charset="-127"/>
+                <a:ea typeface="AppleSDGothicNeoUL00" panose="02000503000000000000" pitchFamily="2" charset="-127"/>
+              </a:rPr>
+              <a:t>T</a:t>
+            </a:r>
+            <a:r>
+              <a:rPr lang="en-US" altLang="ko-KR" dirty="0">
+                <a:latin typeface="AppleSDGothicNeoUL00" panose="02000503000000000000" pitchFamily="2" charset="-127"/>
+                <a:ea typeface="AppleSDGothicNeoUL00" panose="02000503000000000000" pitchFamily="2" charset="-127"/>
+              </a:rPr>
+              <a:t>, (3, 1)</a:t>
+            </a:r>
+            <a:r>
+              <a:rPr lang="en-US" altLang="ko-KR" baseline="30000" dirty="0">
+                <a:latin typeface="AppleSDGothicNeoUL00" panose="02000503000000000000" pitchFamily="2" charset="-127"/>
+                <a:ea typeface="AppleSDGothicNeoUL00" panose="02000503000000000000" pitchFamily="2" charset="-127"/>
+              </a:rPr>
+              <a:t>T</a:t>
+            </a:r>
+            <a:r>
+              <a:rPr lang="en-US" altLang="ko-KR" dirty="0">
+                <a:latin typeface="AppleSDGothicNeoUL00" panose="02000503000000000000" pitchFamily="2" charset="-127"/>
+                <a:ea typeface="AppleSDGothicNeoUL00" panose="02000503000000000000" pitchFamily="2" charset="-127"/>
+              </a:rPr>
+              <a:t>, (5, 2)</a:t>
+            </a:r>
+            <a:r>
+              <a:rPr lang="en-US" altLang="ko-KR" baseline="30000" dirty="0">
+                <a:latin typeface="AppleSDGothicNeoUL00" panose="02000503000000000000" pitchFamily="2" charset="-127"/>
+                <a:ea typeface="AppleSDGothicNeoUL00" panose="02000503000000000000" pitchFamily="2" charset="-127"/>
+              </a:rPr>
+              <a:t>T</a:t>
+            </a:r>
+            <a:r>
+              <a:rPr lang="en-US" altLang="ko-KR" dirty="0">
+                <a:latin typeface="AppleSDGothicNeoUL00" panose="02000503000000000000" pitchFamily="2" charset="-127"/>
+                <a:ea typeface="AppleSDGothicNeoUL00" panose="02000503000000000000" pitchFamily="2" charset="-127"/>
+              </a:rPr>
+              <a:t>, (3, 3)</a:t>
+            </a:r>
+            <a:r>
+              <a:rPr lang="en-US" altLang="ko-KR" baseline="30000" dirty="0">
+                <a:latin typeface="AppleSDGothicNeoUL00" panose="02000503000000000000" pitchFamily="2" charset="-127"/>
+                <a:ea typeface="AppleSDGothicNeoUL00" panose="02000503000000000000" pitchFamily="2" charset="-127"/>
+              </a:rPr>
+              <a:t>T</a:t>
+            </a:r>
+          </a:p>
+          <a:p>
+            <a:pPr lvl="1"/>
+            <a:endParaRPr lang="en-US" altLang="ko-KR" baseline="30000" dirty="0">
+              <a:latin typeface="AppleSDGothicNeoUL00" panose="02000503000000000000" pitchFamily="2" charset="-127"/>
+              <a:ea typeface="AppleSDGothicNeoUL00" panose="02000503000000000000" pitchFamily="2" charset="-127"/>
+            </a:endParaRPr>
+          </a:p>
+          <a:p>
+            <a:pPr lvl="1"/>
+            <a:r>
+              <a:rPr lang="en-US" altLang="ko-KR" dirty="0">
+                <a:latin typeface="AppleSDGothicNeoUL00" panose="02000503000000000000" pitchFamily="2" charset="-127"/>
+                <a:ea typeface="AppleSDGothicNeoUL00" panose="02000503000000000000" pitchFamily="2" charset="-127"/>
+              </a:rPr>
+              <a:t>w</a:t>
+            </a:r>
+            <a:r>
+              <a:rPr lang="en-US" altLang="ko-KR" baseline="-25000" dirty="0">
+                <a:latin typeface="AppleSDGothicNeoUL00" panose="02000503000000000000" pitchFamily="2" charset="-127"/>
+                <a:ea typeface="AppleSDGothicNeoUL00" panose="02000503000000000000" pitchFamily="2" charset="-127"/>
+              </a:rPr>
+              <a:t>2</a:t>
+            </a:r>
+            <a:r>
+              <a:rPr lang="en-US" altLang="ko-KR" dirty="0">
+                <a:latin typeface="AppleSDGothicNeoUL00" panose="02000503000000000000" pitchFamily="2" charset="-127"/>
+                <a:ea typeface="AppleSDGothicNeoUL00" panose="02000503000000000000" pitchFamily="2" charset="-127"/>
+              </a:rPr>
+              <a:t> = (7, 6)</a:t>
+            </a:r>
+            <a:r>
+              <a:rPr lang="en-US" altLang="ko-KR" baseline="30000" dirty="0">
+                <a:latin typeface="AppleSDGothicNeoUL00" panose="02000503000000000000" pitchFamily="2" charset="-127"/>
+                <a:ea typeface="AppleSDGothicNeoUL00" panose="02000503000000000000" pitchFamily="2" charset="-127"/>
+              </a:rPr>
+              <a:t>T</a:t>
+            </a:r>
+            <a:r>
+              <a:rPr lang="en-US" altLang="ko-KR" dirty="0">
+                <a:latin typeface="AppleSDGothicNeoUL00" panose="02000503000000000000" pitchFamily="2" charset="-127"/>
+                <a:ea typeface="AppleSDGothicNeoUL00" panose="02000503000000000000" pitchFamily="2" charset="-127"/>
+              </a:rPr>
+              <a:t>, (8, 4)</a:t>
+            </a:r>
+            <a:r>
+              <a:rPr lang="en-US" altLang="ko-KR" baseline="30000" dirty="0">
+                <a:latin typeface="AppleSDGothicNeoUL00" panose="02000503000000000000" pitchFamily="2" charset="-127"/>
+                <a:ea typeface="AppleSDGothicNeoUL00" panose="02000503000000000000" pitchFamily="2" charset="-127"/>
+              </a:rPr>
+              <a:t>T</a:t>
+            </a:r>
+            <a:r>
+              <a:rPr lang="en-US" altLang="ko-KR" dirty="0">
+                <a:latin typeface="AppleSDGothicNeoUL00" panose="02000503000000000000" pitchFamily="2" charset="-127"/>
+                <a:ea typeface="AppleSDGothicNeoUL00" panose="02000503000000000000" pitchFamily="2" charset="-127"/>
+              </a:rPr>
+              <a:t>, (9, 6)</a:t>
+            </a:r>
+            <a:r>
+              <a:rPr lang="en-US" altLang="ko-KR" baseline="30000" dirty="0">
+                <a:latin typeface="AppleSDGothicNeoUL00" panose="02000503000000000000" pitchFamily="2" charset="-127"/>
+                <a:ea typeface="AppleSDGothicNeoUL00" panose="02000503000000000000" pitchFamily="2" charset="-127"/>
+              </a:rPr>
+              <a:t>T</a:t>
+            </a:r>
+            <a:r>
+              <a:rPr lang="en-US" altLang="ko-KR" dirty="0">
+                <a:latin typeface="AppleSDGothicNeoUL00" panose="02000503000000000000" pitchFamily="2" charset="-127"/>
+                <a:ea typeface="AppleSDGothicNeoUL00" panose="02000503000000000000" pitchFamily="2" charset="-127"/>
+              </a:rPr>
+              <a:t>, (8, 8)</a:t>
+            </a:r>
+            <a:r>
+              <a:rPr lang="en-US" altLang="ko-KR" baseline="30000" dirty="0">
+                <a:latin typeface="AppleSDGothicNeoUL00" panose="02000503000000000000" pitchFamily="2" charset="-127"/>
+                <a:ea typeface="AppleSDGothicNeoUL00" panose="02000503000000000000" pitchFamily="2" charset="-127"/>
+              </a:rPr>
+              <a:t>T</a:t>
+            </a:r>
+          </a:p>
+          <a:p>
+            <a:pPr lvl="1"/>
+            <a:endParaRPr lang="en-US" altLang="ko-KR" baseline="30000" dirty="0">
+              <a:latin typeface="AppleSDGothicNeoUL00" panose="02000503000000000000" pitchFamily="2" charset="-127"/>
+              <a:ea typeface="AppleSDGothicNeoUL00" panose="02000503000000000000" pitchFamily="2" charset="-127"/>
+            </a:endParaRPr>
+          </a:p>
+        </p:txBody>
+      </p:sp>
     </p:spTree>
     <p:extLst>
       <p:ext uri="{BB962C8B-B14F-4D97-AF65-F5344CB8AC3E}">
-        <p14:creationId xmlns:p14="http://schemas.microsoft.com/office/powerpoint/2010/main" val="217754462"/>
+        <p14:creationId xmlns:p14="http://schemas.microsoft.com/office/powerpoint/2010/main" val="1741696775"/>
       </p:ext>
     </p:extLst>
   </p:cSld>
@@ -10477,7 +10996,7 @@
       </p:sp>
       <p:pic>
         <p:nvPicPr>
-          <p:cNvPr id="4" name="그림 3"/>
+          <p:cNvPr id="3" name="그림 2"/>
           <p:cNvPicPr>
             <a:picLocks noChangeAspect="1"/>
           </p:cNvPicPr>
@@ -10491,7 +11010,114 @@
         </p:blipFill>
         <p:spPr>
           <a:xfrm>
-            <a:off x="1312069" y="1266825"/>
+            <a:off x="2455069" y="1952625"/>
+            <a:ext cx="4876800" cy="4299284"/>
+          </a:xfrm>
+          <a:prstGeom prst="rect">
+            <a:avLst/>
+          </a:prstGeom>
+        </p:spPr>
+      </p:pic>
+    </p:spTree>
+    <p:extLst>
+      <p:ext uri="{BB962C8B-B14F-4D97-AF65-F5344CB8AC3E}">
+        <p14:creationId xmlns:p14="http://schemas.microsoft.com/office/powerpoint/2010/main" val="217754462"/>
+      </p:ext>
+    </p:extLst>
+  </p:cSld>
+  <p:clrMapOvr>
+    <a:masterClrMapping/>
+  </p:clrMapOvr>
+</p:sld>
+</file>
+
+<file path=ppt/slides/slide27.xml><?xml version="1.0" encoding="utf-8"?>
+<p:sld xmlns:a="http://schemas.openxmlformats.org/drawingml/2006/main" xmlns:r="http://schemas.openxmlformats.org/officeDocument/2006/relationships" xmlns:p="http://schemas.openxmlformats.org/presentationml/2006/main">
+  <p:cSld>
+    <p:spTree>
+      <p:nvGrpSpPr>
+        <p:cNvPr id="1" name=""/>
+        <p:cNvGrpSpPr/>
+        <p:nvPr/>
+      </p:nvGrpSpPr>
+      <p:grpSpPr>
+        <a:xfrm>
+          <a:off x="0" y="0"/>
+          <a:ext cx="0" cy="0"/>
+          <a:chOff x="0" y="0"/>
+          <a:chExt cx="0" cy="0"/>
+        </a:xfrm>
+      </p:grpSpPr>
+      <p:sp>
+        <p:nvSpPr>
+          <p:cNvPr id="2" name="텍스트 상자 5">
+            <a:extLst>
+              <a:ext uri="{FF2B5EF4-FFF2-40B4-BE49-F238E27FC236}">
+                <a16:creationId xmlns:a16="http://schemas.microsoft.com/office/drawing/2014/main" id="{9D619D04-013E-4630-B348-6CFA4771E79C}"/>
+              </a:ext>
+            </a:extLst>
+          </p:cNvPr>
+          <p:cNvSpPr txBox="1">
+            <a:spLocks/>
+          </p:cNvSpPr>
+          <p:nvPr/>
+        </p:nvSpPr>
+        <p:spPr>
+          <a:xfrm>
+            <a:off x="409707" y="500417"/>
+            <a:ext cx="9589162" cy="400110"/>
+          </a:xfrm>
+          <a:prstGeom prst="rect">
+            <a:avLst/>
+          </a:prstGeom>
+          <a:noFill/>
+        </p:spPr>
+        <p:txBody>
+          <a:bodyPr wrap="square" rtlCol="0">
+            <a:spAutoFit/>
+          </a:bodyPr>
+          <a:lstStyle/>
+          <a:p>
+            <a:r>
+              <a:rPr kumimoji="1" lang="en-US" altLang="ko-KR" sz="2000" dirty="0">
+                <a:solidFill>
+                  <a:srgbClr val="607796"/>
+                </a:solidFill>
+                <a:latin typeface="Apple SD Gothic Neo Light" charset="-127"/>
+                <a:ea typeface="Apple SD Gothic Neo Light" charset="-127"/>
+                <a:cs typeface="Apple SD Gothic Neo Light" charset="-127"/>
+              </a:rPr>
+              <a:t>Bayesian Classifier</a:t>
+            </a:r>
+            <a:endParaRPr kumimoji="1" lang="ko-KR" altLang="en-US" sz="2000" dirty="0">
+              <a:solidFill>
+                <a:srgbClr val="607796"/>
+              </a:solidFill>
+              <a:uFillTx/>
+              <a:latin typeface="Apple SD Gothic Neo Light" charset="-127"/>
+              <a:ea typeface="Apple SD Gothic Neo Light" charset="-127"/>
+              <a:cs typeface="Apple SD Gothic Neo Light" charset="-127"/>
+            </a:endParaRPr>
+          </a:p>
+        </p:txBody>
+      </p:sp>
+      <p:pic>
+        <p:nvPicPr>
+          <p:cNvPr id="4" name="그림 3"/>
+          <p:cNvPicPr>
+            <a:picLocks noChangeAspect="1"/>
+          </p:cNvPicPr>
+          <p:nvPr/>
+        </p:nvPicPr>
+        <p:blipFill>
+          <a:blip r:embed="rId2"/>
+          <a:stretch>
+            <a:fillRect/>
+          </a:stretch>
+        </p:blipFill>
+        <p:spPr>
+          <a:xfrm>
+            <a:off x="1418034" y="1685413"/>
             <a:ext cx="10608469" cy="5377020"/>
           </a:xfrm>
           <a:prstGeom prst="rect">
@@ -10499,6 +11125,257 @@
           </a:prstGeom>
         </p:spPr>
       </p:pic>
+      <mc:AlternateContent xmlns:mc="http://schemas.openxmlformats.org/markup-compatibility/2006">
+        <mc:Choice xmlns:a14="http://schemas.microsoft.com/office/drawing/2010/main" Requires="a14">
+          <p:sp>
+            <p:nvSpPr>
+              <p:cNvPr id="5" name="TextBox 4">
+                <a:extLst>
+                  <a:ext uri="{FF2B5EF4-FFF2-40B4-BE49-F238E27FC236}">
+                    <a16:creationId xmlns:a16="http://schemas.microsoft.com/office/drawing/2014/main" id="{215B4BE3-AF63-435C-A1A5-BAADFCD3A94F}"/>
+                  </a:ext>
+                </a:extLst>
+              </p:cNvPr>
+              <p:cNvSpPr txBox="1"/>
+              <p:nvPr/>
+            </p:nvSpPr>
+            <p:spPr>
+              <a:xfrm>
+                <a:off x="4283869" y="412509"/>
+                <a:ext cx="4210050" cy="976036"/>
+              </a:xfrm>
+              <a:prstGeom prst="rect">
+                <a:avLst/>
+              </a:prstGeom>
+            </p:spPr>
+            <p:txBody>
+              <a:bodyPr wrap="square" rtlCol="0">
+                <a:spAutoFit/>
+              </a:bodyPr>
+              <a:lstStyle/>
+              <a:p>
+                <a:r>
+                  <a:rPr lang="en-US" altLang="ko-KR" dirty="0">
+                    <a:latin typeface="AppleSDGothicNeoUL00" panose="02000503000000000000" pitchFamily="2" charset="-127"/>
+                    <a:ea typeface="AppleSDGothicNeoUL00" panose="02000503000000000000" pitchFamily="2" charset="-127"/>
+                  </a:rPr>
+                  <a:t>Naïve Bayesian Classifier</a:t>
+                </a:r>
+                <a:r>
+                  <a:rPr lang="ko-KR" altLang="en-US" dirty="0">
+                    <a:latin typeface="AppleSDGothicNeoUL00" panose="02000503000000000000" pitchFamily="2" charset="-127"/>
+                    <a:ea typeface="AppleSDGothicNeoUL00" panose="02000503000000000000" pitchFamily="2" charset="-127"/>
+                  </a:rPr>
+                  <a:t>에서</a:t>
+                </a:r>
+                <a:endParaRPr lang="en-US" altLang="ko-KR" dirty="0">
+                  <a:latin typeface="AppleSDGothicNeoUL00" panose="02000503000000000000" pitchFamily="2" charset="-127"/>
+                  <a:ea typeface="AppleSDGothicNeoUL00" panose="02000503000000000000" pitchFamily="2" charset="-127"/>
+                </a:endParaRPr>
+              </a:p>
+              <a:p>
+                <a:endParaRPr lang="en-US" altLang="ko-KR" dirty="0">
+                  <a:latin typeface="AppleSDGothicNeoUL00" panose="02000503000000000000" pitchFamily="2" charset="-127"/>
+                  <a:ea typeface="AppleSDGothicNeoUL00" panose="02000503000000000000" pitchFamily="2" charset="-127"/>
+                </a:endParaRPr>
+              </a:p>
+              <a:p>
+                <a:r>
+                  <a:rPr lang="en-US" altLang="ko-KR" dirty="0">
+                    <a:latin typeface="AppleSDGothicNeoUL00" panose="02000503000000000000" pitchFamily="2" charset="-127"/>
+                    <a:ea typeface="AppleSDGothicNeoUL00" panose="02000503000000000000" pitchFamily="2" charset="-127"/>
+                  </a:rPr>
+                  <a:t>Likelihood </a:t>
+                </a:r>
+                <a14:m>
+                  <m:oMath xmlns:m="http://schemas.openxmlformats.org/officeDocument/2006/math">
+                    <m:r>
+                      <a:rPr lang="en-US" altLang="ko-KR" b="0" i="1" smtClean="0">
+                        <a:latin typeface="Cambria Math" panose="02040503050406030204" pitchFamily="18" charset="0"/>
+                        <a:ea typeface="AppleSDGothicNeoUL00" panose="02000503000000000000" pitchFamily="2" charset="-127"/>
+                      </a:rPr>
+                      <m:t>𝑝</m:t>
+                    </m:r>
+                    <m:d>
+                      <m:dPr>
+                        <m:ctrlPr>
+                          <a:rPr lang="en-US" altLang="ko-KR" b="0" i="1" smtClean="0">
+                            <a:latin typeface="Cambria Math" panose="02040503050406030204" pitchFamily="18" charset="0"/>
+                            <a:ea typeface="AppleSDGothicNeoUL00" panose="02000503000000000000" pitchFamily="2" charset="-127"/>
+                          </a:rPr>
+                        </m:ctrlPr>
+                      </m:dPr>
+                      <m:e>
+                        <m:r>
+                          <a:rPr lang="en-US" altLang="ko-KR" b="0" i="1" smtClean="0">
+                            <a:latin typeface="Cambria Math" panose="02040503050406030204" pitchFamily="18" charset="0"/>
+                            <a:ea typeface="AppleSDGothicNeoUL00" panose="02000503000000000000" pitchFamily="2" charset="-127"/>
+                          </a:rPr>
+                          <m:t>𝑥</m:t>
+                        </m:r>
+                      </m:e>
+                      <m:e>
+                        <m:r>
+                          <a:rPr lang="en-US" altLang="ko-KR" b="0" i="1" smtClean="0">
+                            <a:latin typeface="Cambria Math" panose="02040503050406030204" pitchFamily="18" charset="0"/>
+                            <a:ea typeface="AppleSDGothicNeoUL00" panose="02000503000000000000" pitchFamily="2" charset="-127"/>
+                          </a:rPr>
+                          <m:t>𝑤</m:t>
+                        </m:r>
+                        <m:r>
+                          <a:rPr lang="en-US" altLang="ko-KR" b="0" i="1" baseline="-25000" smtClean="0">
+                            <a:latin typeface="Cambria Math" panose="02040503050406030204" pitchFamily="18" charset="0"/>
+                            <a:ea typeface="AppleSDGothicNeoUL00" panose="02000503000000000000" pitchFamily="2" charset="-127"/>
+                          </a:rPr>
+                          <m:t>𝑖</m:t>
+                        </m:r>
+                      </m:e>
+                    </m:d>
+                    <m:r>
+                      <a:rPr lang="en-US" altLang="ko-KR" b="0" i="1" smtClean="0">
+                        <a:latin typeface="Cambria Math" panose="02040503050406030204" pitchFamily="18" charset="0"/>
+                        <a:ea typeface="AppleSDGothicNeoUL00" panose="02000503000000000000" pitchFamily="2" charset="-127"/>
+                      </a:rPr>
+                      <m:t>=</m:t>
+                    </m:r>
+                    <m:nary>
+                      <m:naryPr>
+                        <m:chr m:val="∏"/>
+                        <m:ctrlPr>
+                          <a:rPr lang="en-US" altLang="ko-KR" b="0" i="1" smtClean="0">
+                            <a:latin typeface="Cambria Math" panose="02040503050406030204" pitchFamily="18" charset="0"/>
+                            <a:ea typeface="AppleSDGothicNeoUL00" panose="02000503000000000000" pitchFamily="2" charset="-127"/>
+                          </a:rPr>
+                        </m:ctrlPr>
+                      </m:naryPr>
+                      <m:sub>
+                        <m:r>
+                          <m:rPr>
+                            <m:brk m:alnAt="23"/>
+                          </m:rPr>
+                          <a:rPr lang="en-US" altLang="ko-KR" b="0" i="1" smtClean="0">
+                            <a:latin typeface="Cambria Math" panose="02040503050406030204" pitchFamily="18" charset="0"/>
+                            <a:ea typeface="AppleSDGothicNeoUL00" panose="02000503000000000000" pitchFamily="2" charset="-127"/>
+                          </a:rPr>
+                          <m:t>𝑗</m:t>
+                        </m:r>
+                        <m:r>
+                          <a:rPr lang="en-US" altLang="ko-KR" b="0" i="1" smtClean="0">
+                            <a:latin typeface="Cambria Math" panose="02040503050406030204" pitchFamily="18" charset="0"/>
+                            <a:ea typeface="AppleSDGothicNeoUL00" panose="02000503000000000000" pitchFamily="2" charset="-127"/>
+                          </a:rPr>
+                          <m:t>=1</m:t>
+                        </m:r>
+                      </m:sub>
+                      <m:sup>
+                        <m:r>
+                          <a:rPr lang="en-US" altLang="ko-KR" b="0" i="1" smtClean="0">
+                            <a:latin typeface="Cambria Math" panose="02040503050406030204" pitchFamily="18" charset="0"/>
+                            <a:ea typeface="AppleSDGothicNeoUL00" panose="02000503000000000000" pitchFamily="2" charset="-127"/>
+                          </a:rPr>
+                          <m:t>𝑑</m:t>
+                        </m:r>
+                      </m:sup>
+                      <m:e>
+                        <m:r>
+                          <a:rPr lang="en-US" altLang="ko-KR" b="0" i="1" smtClean="0">
+                            <a:latin typeface="Cambria Math" panose="02040503050406030204" pitchFamily="18" charset="0"/>
+                            <a:ea typeface="AppleSDGothicNeoUL00" panose="02000503000000000000" pitchFamily="2" charset="-127"/>
+                          </a:rPr>
+                          <m:t>𝑝</m:t>
+                        </m:r>
+                        <m:r>
+                          <a:rPr lang="en-US" altLang="ko-KR" b="0" i="1" smtClean="0">
+                            <a:latin typeface="Cambria Math" panose="02040503050406030204" pitchFamily="18" charset="0"/>
+                            <a:ea typeface="AppleSDGothicNeoUL00" panose="02000503000000000000" pitchFamily="2" charset="-127"/>
+                          </a:rPr>
+                          <m:t>(</m:t>
+                        </m:r>
+                        <m:r>
+                          <a:rPr lang="en-US" altLang="ko-KR" b="0" i="1" smtClean="0">
+                            <a:latin typeface="Cambria Math" panose="02040503050406030204" pitchFamily="18" charset="0"/>
+                            <a:ea typeface="AppleSDGothicNeoUL00" panose="02000503000000000000" pitchFamily="2" charset="-127"/>
+                          </a:rPr>
+                          <m:t>𝑥𝑗</m:t>
+                        </m:r>
+                        <m:r>
+                          <a:rPr lang="en-US" altLang="ko-KR" b="0" i="1" smtClean="0">
+                            <a:latin typeface="Cambria Math" panose="02040503050406030204" pitchFamily="18" charset="0"/>
+                            <a:ea typeface="AppleSDGothicNeoUL00" panose="02000503000000000000" pitchFamily="2" charset="-127"/>
+                          </a:rPr>
+                          <m:t>|</m:t>
+                        </m:r>
+                        <m:r>
+                          <a:rPr lang="en-US" altLang="ko-KR" b="0" i="1" smtClean="0">
+                            <a:latin typeface="Cambria Math" panose="02040503050406030204" pitchFamily="18" charset="0"/>
+                            <a:ea typeface="AppleSDGothicNeoUL00" panose="02000503000000000000" pitchFamily="2" charset="-127"/>
+                          </a:rPr>
+                          <m:t>𝑤𝑗</m:t>
+                        </m:r>
+                        <m:r>
+                          <a:rPr lang="en-US" altLang="ko-KR" b="0" i="1" smtClean="0">
+                            <a:latin typeface="Cambria Math" panose="02040503050406030204" pitchFamily="18" charset="0"/>
+                            <a:ea typeface="AppleSDGothicNeoUL00" panose="02000503000000000000" pitchFamily="2" charset="-127"/>
+                          </a:rPr>
+                          <m:t>)</m:t>
+                        </m:r>
+                      </m:e>
+                    </m:nary>
+                  </m:oMath>
+                </a14:m>
+                <a:endParaRPr lang="en-US" altLang="ko-KR" dirty="0">
+                  <a:latin typeface="AppleSDGothicNeoUL00" panose="02000503000000000000" pitchFamily="2" charset="-127"/>
+                  <a:ea typeface="AppleSDGothicNeoUL00" panose="02000503000000000000" pitchFamily="2" charset="-127"/>
+                </a:endParaRPr>
+              </a:p>
+            </p:txBody>
+          </p:sp>
+        </mc:Choice>
+        <mc:Fallback>
+          <p:sp>
+            <p:nvSpPr>
+              <p:cNvPr id="5" name="TextBox 4">
+                <a:extLst>
+                  <a:ext uri="{FF2B5EF4-FFF2-40B4-BE49-F238E27FC236}">
+                    <a16:creationId xmlns:a16="http://schemas.microsoft.com/office/drawing/2014/main" id="{215B4BE3-AF63-435C-A1A5-BAADFCD3A94F}"/>
+                  </a:ext>
+                </a:extLst>
+              </p:cNvPr>
+              <p:cNvSpPr txBox="1">
+                <a:spLocks noRot="1" noChangeAspect="1" noMove="1" noResize="1" noEditPoints="1" noAdjustHandles="1" noChangeArrowheads="1" noChangeShapeType="1" noTextEdit="1"/>
+              </p:cNvSpPr>
+              <p:nvPr/>
+            </p:nvSpPr>
+            <p:spPr>
+              <a:xfrm>
+                <a:off x="4283869" y="412509"/>
+                <a:ext cx="4210050" cy="976036"/>
+              </a:xfrm>
+              <a:prstGeom prst="rect">
+                <a:avLst/>
+              </a:prstGeom>
+              <a:blipFill>
+                <a:blip r:embed="rId3"/>
+                <a:stretch>
+                  <a:fillRect l="-1304" t="-5625" b="-66875"/>
+                </a:stretch>
+              </a:blipFill>
+            </p:spPr>
+            <p:txBody>
+              <a:bodyPr/>
+              <a:lstStyle/>
+              <a:p>
+                <a:r>
+                  <a:rPr lang="ko-KR" altLang="en-US">
+                    <a:noFill/>
+                  </a:rPr>
+                  <a:t> </a:t>
+                </a:r>
+              </a:p>
+            </p:txBody>
+          </p:sp>
+        </mc:Fallback>
+      </mc:AlternateContent>
     </p:spTree>
     <p:extLst>
       <p:ext uri="{BB962C8B-B14F-4D97-AF65-F5344CB8AC3E}">
